--- a/BankCustomersAnalysis.pptx
+++ b/BankCustomersAnalysis.pptx
@@ -206,7 +206,7 @@
           <a:p>
             <a:fld id="{87098DBA-ED62-42D1-AB73-66D64966019A}" type="datetimeFigureOut">
               <a:rPr lang="zh-CN" altLang="en-US" smtClean="0"/>
-              <a:t>2023/5/28</a:t>
+              <a:t>2023/5/29</a:t>
             </a:fld>
             <a:endParaRPr lang="zh-CN" altLang="en-US"/>
           </a:p>
